--- a/slides/00-microservices.pptx
+++ b/slides/00-microservices.pptx
@@ -5,18 +5,25 @@
     <p:sldMasterId id="2147483648" r:id="rId1"/>
   </p:sldMasterIdLst>
   <p:notesMasterIdLst>
-    <p:notesMasterId r:id="rId11"/>
+    <p:notesMasterId r:id="rId18"/>
   </p:notesMasterIdLst>
   <p:sldIdLst>
     <p:sldId id="258" r:id="rId2"/>
-    <p:sldId id="259" r:id="rId3"/>
-    <p:sldId id="260" r:id="rId4"/>
-    <p:sldId id="261" r:id="rId5"/>
-    <p:sldId id="262" r:id="rId6"/>
-    <p:sldId id="263" r:id="rId7"/>
-    <p:sldId id="264" r:id="rId8"/>
-    <p:sldId id="265" r:id="rId9"/>
-    <p:sldId id="266" r:id="rId10"/>
+    <p:sldId id="267" r:id="rId3"/>
+    <p:sldId id="259" r:id="rId4"/>
+    <p:sldId id="269" r:id="rId5"/>
+    <p:sldId id="270" r:id="rId6"/>
+    <p:sldId id="271" r:id="rId7"/>
+    <p:sldId id="272" r:id="rId8"/>
+    <p:sldId id="268" r:id="rId9"/>
+    <p:sldId id="260" r:id="rId10"/>
+    <p:sldId id="261" r:id="rId11"/>
+    <p:sldId id="262" r:id="rId12"/>
+    <p:sldId id="263" r:id="rId13"/>
+    <p:sldId id="264" r:id="rId14"/>
+    <p:sldId id="273" r:id="rId15"/>
+    <p:sldId id="265" r:id="rId16"/>
+    <p:sldId id="266" r:id="rId17"/>
   </p:sldIdLst>
   <p:sldSz cx="12192000" cy="6858000"/>
   <p:notesSz cx="6858000" cy="9144000"/>
@@ -3603,319 +3610,7 @@
 </p:sld>
 </file>
 
-<file path=ppt/slides/slide2.xml><?xml version="1.0" encoding="utf-8"?>
-<p:sld xmlns:a="http://schemas.openxmlformats.org/drawingml/2006/main" xmlns:r="http://schemas.openxmlformats.org/officeDocument/2006/relationships" xmlns:p="http://schemas.openxmlformats.org/presentationml/2006/main">
-  <p:cSld>
-    <p:spTree>
-      <p:nvGrpSpPr>
-        <p:cNvPr id="1" name=""/>
-        <p:cNvGrpSpPr/>
-        <p:nvPr/>
-      </p:nvGrpSpPr>
-      <p:grpSpPr>
-        <a:xfrm>
-          <a:off x="0" y="0"/>
-          <a:ext cx="0" cy="0"/>
-          <a:chOff x="0" y="0"/>
-          <a:chExt cx="0" cy="0"/>
-        </a:xfrm>
-      </p:grpSpPr>
-      <p:sp>
-        <p:nvSpPr>
-          <p:cNvPr id="2" name="Title 1"/>
-          <p:cNvSpPr>
-            <a:spLocks noGrp="1"/>
-          </p:cNvSpPr>
-          <p:nvPr>
-            <p:ph type="title"/>
-          </p:nvPr>
-        </p:nvSpPr>
-        <p:spPr/>
-        <p:txBody>
-          <a:bodyPr/>
-          <a:lstStyle/>
-          <a:p>
-            <a:r>
-              <a:rPr lang="en-US" dirty="0" smtClean="0"/>
-              <a:t>Martin Fowler </a:t>
-            </a:r>
-            <a:r>
-              <a:rPr lang="en-US" dirty="0" err="1" smtClean="0"/>
-              <a:t>sez</a:t>
-            </a:r>
-            <a:r>
-              <a:rPr lang="en-US" dirty="0" smtClean="0"/>
-              <a:t>…</a:t>
-            </a:r>
-            <a:endParaRPr lang="en-US" dirty="0"/>
-          </a:p>
-        </p:txBody>
-      </p:sp>
-      <p:sp>
-        <p:nvSpPr>
-          <p:cNvPr id="3" name="Content Placeholder 2"/>
-          <p:cNvSpPr>
-            <a:spLocks noGrp="1"/>
-          </p:cNvSpPr>
-          <p:nvPr>
-            <p:ph idx="1"/>
-          </p:nvPr>
-        </p:nvSpPr>
-        <p:spPr>
-          <a:xfrm>
-            <a:off x="838200" y="1825625"/>
-            <a:ext cx="5718908" cy="3590437"/>
-          </a:xfrm>
-        </p:spPr>
-        <p:txBody>
-          <a:bodyPr/>
-          <a:lstStyle/>
-          <a:p>
-            <a:pPr marL="0" indent="0">
-              <a:buNone/>
-            </a:pPr>
-            <a:r>
-              <a:rPr lang="en-US" dirty="0" smtClean="0"/>
-              <a:t>“</a:t>
-            </a:r>
-            <a:r>
-              <a:rPr lang="en-US" dirty="0"/>
-              <a:t>A</a:t>
-            </a:r>
-            <a:r>
-              <a:rPr lang="en-US" dirty="0" smtClean="0"/>
-              <a:t>n </a:t>
-            </a:r>
-            <a:r>
-              <a:rPr lang="en-US" dirty="0"/>
-              <a:t>approach to developing a single application as a suite of small services, each running in its own process and communicating with lightweight mechanisms, often an HTTP resource API. These services are built around business capabilities and independently deployable by fully automated deployment machinery</a:t>
-            </a:r>
-            <a:r>
-              <a:rPr lang="en-US" dirty="0" smtClean="0"/>
-              <a:t>.”</a:t>
-            </a:r>
-          </a:p>
-        </p:txBody>
-      </p:sp>
-      <p:pic>
-        <p:nvPicPr>
-          <p:cNvPr id="1026" name="Picture 2" descr="Figure 3"/>
-          <p:cNvPicPr>
-            <a:picLocks noChangeAspect="1" noChangeArrowheads="1"/>
-          </p:cNvPicPr>
-          <p:nvPr/>
-        </p:nvPicPr>
-        <p:blipFill rotWithShape="1">
-          <a:blip r:embed="rId2">
-            <a:extLst>
-              <a:ext uri="{28A0092B-C50C-407E-A947-70E740481C1C}">
-                <a14:useLocalDpi xmlns:a14="http://schemas.microsoft.com/office/drawing/2010/main" val="0"/>
-              </a:ext>
-            </a:extLst>
-          </a:blip>
-          <a:srcRect r="52931" b="10799"/>
-          <a:stretch/>
-        </p:blipFill>
-        <p:spPr bwMode="auto">
-          <a:xfrm>
-            <a:off x="7158160" y="1254612"/>
-            <a:ext cx="4744671" cy="5168999"/>
-          </a:xfrm>
-          <a:prstGeom prst="rect">
-            <a:avLst/>
-          </a:prstGeom>
-          <a:noFill/>
-          <a:extLst>
-            <a:ext uri="{909E8E84-426E-40DD-AFC4-6F175D3DCCD1}">
-              <a14:hiddenFill xmlns:a14="http://schemas.microsoft.com/office/drawing/2010/main">
-                <a:solidFill>
-                  <a:srgbClr val="FFFFFF"/>
-                </a:solidFill>
-              </a14:hiddenFill>
-            </a:ext>
-          </a:extLst>
-        </p:spPr>
-      </p:pic>
-      <p:sp>
-        <p:nvSpPr>
-          <p:cNvPr id="4" name="TextBox 3"/>
-          <p:cNvSpPr txBox="1"/>
-          <p:nvPr/>
-        </p:nvSpPr>
-        <p:spPr>
-          <a:xfrm>
-            <a:off x="906585" y="6056923"/>
-            <a:ext cx="10996246" cy="369332"/>
-          </a:xfrm>
-          <a:prstGeom prst="rect">
-            <a:avLst/>
-          </a:prstGeom>
-          <a:noFill/>
-        </p:spPr>
-        <p:txBody>
-          <a:bodyPr wrap="square" rtlCol="0">
-            <a:spAutoFit/>
-          </a:bodyPr>
-          <a:lstStyle/>
-          <a:p>
-            <a:r>
-              <a:rPr lang="en-US" dirty="0" smtClean="0"/>
-              <a:t>http</a:t>
-            </a:r>
-            <a:r>
-              <a:rPr lang="en-US" dirty="0"/>
-              <a:t>://</a:t>
-            </a:r>
-            <a:r>
-              <a:rPr lang="en-US" dirty="0" smtClean="0"/>
-              <a:t>martinfowler.com/articles/microservices.html</a:t>
-            </a:r>
-            <a:endParaRPr lang="en-US" dirty="0"/>
-          </a:p>
-        </p:txBody>
-      </p:sp>
-    </p:spTree>
-    <p:extLst>
-      <p:ext uri="{BB962C8B-B14F-4D97-AF65-F5344CB8AC3E}">
-        <p14:creationId xmlns:p14="http://schemas.microsoft.com/office/powerpoint/2010/main" val="690129363"/>
-      </p:ext>
-    </p:extLst>
-  </p:cSld>
-  <p:clrMapOvr>
-    <a:masterClrMapping/>
-  </p:clrMapOvr>
-  <p:timing>
-    <p:tnLst>
-      <p:par>
-        <p:cTn id="1" dur="indefinite" restart="never" nodeType="tmRoot"/>
-      </p:par>
-    </p:tnLst>
-  </p:timing>
-</p:sld>
-</file>
-
-<file path=ppt/slides/slide3.xml><?xml version="1.0" encoding="utf-8"?>
-<p:sld xmlns:a="http://schemas.openxmlformats.org/drawingml/2006/main" xmlns:r="http://schemas.openxmlformats.org/officeDocument/2006/relationships" xmlns:p="http://schemas.openxmlformats.org/presentationml/2006/main">
-  <p:cSld>
-    <p:spTree>
-      <p:nvGrpSpPr>
-        <p:cNvPr id="1" name=""/>
-        <p:cNvGrpSpPr/>
-        <p:nvPr/>
-      </p:nvGrpSpPr>
-      <p:grpSpPr>
-        <a:xfrm>
-          <a:off x="0" y="0"/>
-          <a:ext cx="0" cy="0"/>
-          <a:chOff x="0" y="0"/>
-          <a:chExt cx="0" cy="0"/>
-        </a:xfrm>
-      </p:grpSpPr>
-      <p:sp>
-        <p:nvSpPr>
-          <p:cNvPr id="2" name="Title 1"/>
-          <p:cNvSpPr>
-            <a:spLocks noGrp="1"/>
-          </p:cNvSpPr>
-          <p:nvPr>
-            <p:ph type="title"/>
-          </p:nvPr>
-        </p:nvSpPr>
-        <p:spPr/>
-        <p:txBody>
-          <a:bodyPr/>
-          <a:lstStyle/>
-          <a:p>
-            <a:r>
-              <a:rPr lang="en-US" dirty="0" smtClean="0"/>
-              <a:t>Adrian Cockcroft </a:t>
-            </a:r>
-            <a:r>
-              <a:rPr lang="en-US" dirty="0" err="1" smtClean="0"/>
-              <a:t>sez</a:t>
-            </a:r>
-            <a:r>
-              <a:rPr lang="en-US" dirty="0" smtClean="0"/>
-              <a:t>…</a:t>
-            </a:r>
-            <a:endParaRPr lang="en-US" dirty="0"/>
-          </a:p>
-        </p:txBody>
-      </p:sp>
-      <p:sp>
-        <p:nvSpPr>
-          <p:cNvPr id="5" name="TextBox 4"/>
-          <p:cNvSpPr txBox="1"/>
-          <p:nvPr/>
-        </p:nvSpPr>
-        <p:spPr>
-          <a:xfrm>
-            <a:off x="906585" y="6056923"/>
-            <a:ext cx="10996246" cy="369332"/>
-          </a:xfrm>
-          <a:prstGeom prst="rect">
-            <a:avLst/>
-          </a:prstGeom>
-          <a:noFill/>
-        </p:spPr>
-        <p:txBody>
-          <a:bodyPr wrap="square" rtlCol="0">
-            <a:spAutoFit/>
-          </a:bodyPr>
-          <a:lstStyle/>
-          <a:p>
-            <a:r>
-              <a:rPr lang="en-US" dirty="0"/>
-              <a:t>http://www.slideshare.net/adriancockcroft/innovation-and-architecture</a:t>
-            </a:r>
-          </a:p>
-        </p:txBody>
-      </p:sp>
-      <p:pic>
-        <p:nvPicPr>
-          <p:cNvPr id="4" name="Picture 3"/>
-          <p:cNvPicPr>
-            <a:picLocks noChangeAspect="1"/>
-          </p:cNvPicPr>
-          <p:nvPr/>
-        </p:nvPicPr>
-        <p:blipFill>
-          <a:blip r:embed="rId2"/>
-          <a:stretch>
-            <a:fillRect/>
-          </a:stretch>
-        </p:blipFill>
-        <p:spPr>
-          <a:xfrm>
-            <a:off x="2141416" y="1458911"/>
-            <a:ext cx="8055218" cy="4423386"/>
-          </a:xfrm>
-          <a:prstGeom prst="rect">
-            <a:avLst/>
-          </a:prstGeom>
-        </p:spPr>
-      </p:pic>
-    </p:spTree>
-    <p:extLst>
-      <p:ext uri="{BB962C8B-B14F-4D97-AF65-F5344CB8AC3E}">
-        <p14:creationId xmlns:p14="http://schemas.microsoft.com/office/powerpoint/2010/main" val="3065816518"/>
-      </p:ext>
-    </p:extLst>
-  </p:cSld>
-  <p:clrMapOvr>
-    <a:masterClrMapping/>
-  </p:clrMapOvr>
-  <p:timing>
-    <p:tnLst>
-      <p:par>
-        <p:cTn id="1" dur="indefinite" restart="never" nodeType="tmRoot"/>
-      </p:par>
-    </p:tnLst>
-  </p:timing>
-</p:sld>
-</file>
-
-<file path=ppt/slides/slide4.xml><?xml version="1.0" encoding="utf-8"?>
+<file path=ppt/slides/slide10.xml><?xml version="1.0" encoding="utf-8"?>
 <p:sld xmlns:a="http://schemas.openxmlformats.org/drawingml/2006/main" xmlns:r="http://schemas.openxmlformats.org/officeDocument/2006/relationships" xmlns:p="http://schemas.openxmlformats.org/presentationml/2006/main">
   <p:cSld>
     <p:spTree>
@@ -4120,7 +3815,7 @@
 </p:sld>
 </file>
 
-<file path=ppt/slides/slide5.xml><?xml version="1.0" encoding="utf-8"?>
+<file path=ppt/slides/slide11.xml><?xml version="1.0" encoding="utf-8"?>
 <p:sld xmlns:a="http://schemas.openxmlformats.org/drawingml/2006/main" xmlns:r="http://schemas.openxmlformats.org/officeDocument/2006/relationships" xmlns:p="http://schemas.openxmlformats.org/presentationml/2006/main">
   <p:cSld>
     <p:spTree>
@@ -4199,14 +3894,30 @@
             </a:r>
             <a:r>
               <a:rPr lang="en-US" dirty="0"/>
-              <a:t> do one thing well. To do a new job, build afresh rather than complicate old </a:t>
-            </a:r>
-            <a:r>
-              <a:rPr lang="en-US" dirty="0" err="1"/>
+              <a:t> do one thing well. </a:t>
+            </a:r>
+            <a:r>
+              <a:rPr lang="en-US" dirty="0">
+                <a:solidFill>
+                  <a:schemeClr val="bg2"/>
+                </a:solidFill>
+              </a:rPr>
+              <a:t>To do a new job, build afresh rather than complicate old </a:t>
+            </a:r>
+            <a:r>
+              <a:rPr lang="en-US" dirty="0" err="1">
+                <a:solidFill>
+                  <a:schemeClr val="bg2"/>
+                </a:solidFill>
+              </a:rPr>
               <a:t>microservices</a:t>
             </a:r>
             <a:r>
-              <a:rPr lang="en-US" dirty="0"/>
+              <a:rPr lang="en-US" dirty="0">
+                <a:solidFill>
+                  <a:schemeClr val="bg2"/>
+                </a:solidFill>
+              </a:rPr>
               <a:t> by adding new features.</a:t>
             </a:r>
           </a:p>
@@ -4325,7 +4036,7 @@
 </p:sld>
 </file>
 
-<file path=ppt/slides/slide6.xml><?xml version="1.0" encoding="utf-8"?>
+<file path=ppt/slides/slide12.xml><?xml version="1.0" encoding="utf-8"?>
 <p:sld xmlns:a="http://schemas.openxmlformats.org/drawingml/2006/main" xmlns:r="http://schemas.openxmlformats.org/officeDocument/2006/relationships" xmlns:p="http://schemas.openxmlformats.org/presentationml/2006/main">
   <p:cSld>
     <p:spTree>
@@ -4404,14 +4115,30 @@
             </a:r>
             <a:r>
               <a:rPr lang="en-US" dirty="0"/>
-              <a:t> do one thing well. To do a new job, build afresh rather than complicate old </a:t>
-            </a:r>
-            <a:r>
-              <a:rPr lang="en-US" dirty="0" err="1"/>
+              <a:t> do one thing well. </a:t>
+            </a:r>
+            <a:r>
+              <a:rPr lang="en-US" dirty="0">
+                <a:solidFill>
+                  <a:schemeClr val="bg2"/>
+                </a:solidFill>
+              </a:rPr>
+              <a:t>To do a new job, build afresh rather than complicate old </a:t>
+            </a:r>
+            <a:r>
+              <a:rPr lang="en-US" dirty="0" err="1">
+                <a:solidFill>
+                  <a:schemeClr val="bg2"/>
+                </a:solidFill>
+              </a:rPr>
               <a:t>microservices</a:t>
             </a:r>
             <a:r>
-              <a:rPr lang="en-US" dirty="0"/>
+              <a:rPr lang="en-US" dirty="0">
+                <a:solidFill>
+                  <a:schemeClr val="bg2"/>
+                </a:solidFill>
+              </a:rPr>
               <a:t> by adding new features.</a:t>
             </a:r>
           </a:p>
@@ -4434,7 +4161,15 @@
             </a:r>
             <a:r>
               <a:rPr lang="en-US" dirty="0" smtClean="0"/>
-              <a:t>. Don't clutter output with extraneous information. Avoid strongly-typed or binary input formats. Don't insist on object trees as input.</a:t>
+              <a:t>. </a:t>
+            </a:r>
+            <a:r>
+              <a:rPr lang="en-US" dirty="0" smtClean="0">
+                <a:solidFill>
+                  <a:schemeClr val="bg2"/>
+                </a:solidFill>
+              </a:rPr>
+              <a:t>Don't clutter output with extraneous information. Avoid strongly-typed or binary input formats. Don't insist on object trees as input.</a:t>
             </a:r>
           </a:p>
           <a:p>
@@ -4530,7 +4265,7 @@
 </p:sld>
 </file>
 
-<file path=ppt/slides/slide7.xml><?xml version="1.0" encoding="utf-8"?>
+<file path=ppt/slides/slide13.xml><?xml version="1.0" encoding="utf-8"?>
 <p:sld xmlns:a="http://schemas.openxmlformats.org/drawingml/2006/main" xmlns:r="http://schemas.openxmlformats.org/officeDocument/2006/relationships" xmlns:p="http://schemas.openxmlformats.org/presentationml/2006/main">
   <p:cSld>
     <p:spTree>
@@ -4609,14 +4344,30 @@
             </a:r>
             <a:r>
               <a:rPr lang="en-US" dirty="0"/>
-              <a:t> do one thing well. To do a new job, build afresh rather than complicate old </a:t>
-            </a:r>
-            <a:r>
-              <a:rPr lang="en-US" dirty="0" err="1"/>
+              <a:t> do one thing well. </a:t>
+            </a:r>
+            <a:r>
+              <a:rPr lang="en-US" dirty="0">
+                <a:solidFill>
+                  <a:schemeClr val="bg2"/>
+                </a:solidFill>
+              </a:rPr>
+              <a:t>To do a new job, build afresh rather than complicate old </a:t>
+            </a:r>
+            <a:r>
+              <a:rPr lang="en-US" dirty="0" err="1">
+                <a:solidFill>
+                  <a:schemeClr val="bg2"/>
+                </a:solidFill>
+              </a:rPr>
               <a:t>microservices</a:t>
             </a:r>
             <a:r>
-              <a:rPr lang="en-US" dirty="0"/>
+              <a:rPr lang="en-US" dirty="0">
+                <a:solidFill>
+                  <a:schemeClr val="bg2"/>
+                </a:solidFill>
+              </a:rPr>
               <a:t> by adding new features.</a:t>
             </a:r>
           </a:p>
@@ -4639,7 +4390,15 @@
             </a:r>
             <a:r>
               <a:rPr lang="en-US" dirty="0" smtClean="0"/>
-              <a:t>. Don't clutter output with extraneous information. Avoid strongly-typed or binary input formats. Don't insist on object trees as input.</a:t>
+              <a:t>. </a:t>
+            </a:r>
+            <a:r>
+              <a:rPr lang="en-US" dirty="0" smtClean="0">
+                <a:solidFill>
+                  <a:schemeClr val="bg2"/>
+                </a:solidFill>
+              </a:rPr>
+              <a:t>Don't clutter output with extraneous information. Avoid strongly-typed or binary input formats. Don't insist on object trees as input.</a:t>
             </a:r>
           </a:p>
           <a:p>
@@ -4653,7 +4412,15 @@
             </a:r>
             <a:r>
               <a:rPr lang="en-US" dirty="0" smtClean="0"/>
-              <a:t> to be created and deployed early, ideally within weeks. Don't hesitate to throw away the clumsy parts and rebuild them.</a:t>
+              <a:t> to be created and deployed early, ideally within weeks. </a:t>
+            </a:r>
+            <a:r>
+              <a:rPr lang="en-US" dirty="0" smtClean="0">
+                <a:solidFill>
+                  <a:schemeClr val="bg2"/>
+                </a:solidFill>
+              </a:rPr>
+              <a:t>Don't hesitate to throw away the clumsy parts and rebuild them.</a:t>
             </a:r>
           </a:p>
           <a:p>
@@ -4687,7 +4454,204 @@
 </p:sld>
 </file>
 
-<file path=ppt/slides/slide8.xml><?xml version="1.0" encoding="utf-8"?>
+<file path=ppt/slides/slide14.xml><?xml version="1.0" encoding="utf-8"?>
+<p:sld xmlns:a="http://schemas.openxmlformats.org/drawingml/2006/main" xmlns:r="http://schemas.openxmlformats.org/officeDocument/2006/relationships" xmlns:p="http://schemas.openxmlformats.org/presentationml/2006/main">
+  <p:cSld>
+    <p:spTree>
+      <p:nvGrpSpPr>
+        <p:cNvPr id="1" name=""/>
+        <p:cNvGrpSpPr/>
+        <p:nvPr/>
+      </p:nvGrpSpPr>
+      <p:grpSpPr>
+        <a:xfrm>
+          <a:off x="0" y="0"/>
+          <a:ext cx="0" cy="0"/>
+          <a:chOff x="0" y="0"/>
+          <a:chExt cx="0" cy="0"/>
+        </a:xfrm>
+      </p:grpSpPr>
+      <p:sp>
+        <p:nvSpPr>
+          <p:cNvPr id="2" name="Title 1"/>
+          <p:cNvSpPr>
+            <a:spLocks noGrp="1"/>
+          </p:cNvSpPr>
+          <p:nvPr>
+            <p:ph type="title"/>
+          </p:nvPr>
+        </p:nvSpPr>
+        <p:spPr/>
+        <p:txBody>
+          <a:bodyPr/>
+          <a:lstStyle/>
+          <a:p>
+            <a:r>
+              <a:rPr lang="en-US" dirty="0" smtClean="0"/>
+              <a:t>Mike </a:t>
+            </a:r>
+            <a:r>
+              <a:rPr lang="en-US" dirty="0" err="1" smtClean="0"/>
+              <a:t>sez</a:t>
+            </a:r>
+            <a:r>
+              <a:rPr lang="en-US" dirty="0" smtClean="0"/>
+              <a:t>…</a:t>
+            </a:r>
+            <a:endParaRPr lang="en-US" dirty="0"/>
+          </a:p>
+        </p:txBody>
+      </p:sp>
+      <p:sp>
+        <p:nvSpPr>
+          <p:cNvPr id="3" name="Content Placeholder 2"/>
+          <p:cNvSpPr>
+            <a:spLocks noGrp="1"/>
+          </p:cNvSpPr>
+          <p:nvPr>
+            <p:ph idx="1"/>
+          </p:nvPr>
+        </p:nvSpPr>
+        <p:spPr/>
+        <p:txBody>
+          <a:bodyPr>
+            <a:normAutofit fontScale="92500" lnSpcReduction="10000"/>
+          </a:bodyPr>
+          <a:lstStyle/>
+          <a:p>
+            <a:r>
+              <a:rPr lang="en-US" dirty="0" smtClean="0"/>
+              <a:t>Make </a:t>
+            </a:r>
+            <a:r>
+              <a:rPr lang="en-US" dirty="0"/>
+              <a:t>each </a:t>
+            </a:r>
+            <a:r>
+              <a:rPr lang="en-US" dirty="0" err="1"/>
+              <a:t>microservice</a:t>
+            </a:r>
+            <a:r>
+              <a:rPr lang="en-US" dirty="0"/>
+              <a:t> do one thing well. </a:t>
+            </a:r>
+            <a:r>
+              <a:rPr lang="en-US" dirty="0">
+                <a:solidFill>
+                  <a:schemeClr val="bg2"/>
+                </a:solidFill>
+              </a:rPr>
+              <a:t>To do a new job, build afresh rather than complicate old </a:t>
+            </a:r>
+            <a:r>
+              <a:rPr lang="en-US" dirty="0" err="1">
+                <a:solidFill>
+                  <a:schemeClr val="bg2"/>
+                </a:solidFill>
+              </a:rPr>
+              <a:t>microservices</a:t>
+            </a:r>
+            <a:r>
+              <a:rPr lang="en-US" dirty="0">
+                <a:solidFill>
+                  <a:schemeClr val="bg2"/>
+                </a:solidFill>
+              </a:rPr>
+              <a:t> by adding new features.</a:t>
+            </a:r>
+          </a:p>
+          <a:p>
+            <a:r>
+              <a:rPr lang="en-US" dirty="0" smtClean="0"/>
+              <a:t>Expect the output of every </a:t>
+            </a:r>
+            <a:r>
+              <a:rPr lang="en-US" dirty="0" err="1" smtClean="0"/>
+              <a:t>microservice</a:t>
+            </a:r>
+            <a:r>
+              <a:rPr lang="en-US" dirty="0" smtClean="0"/>
+              <a:t> to become the input to another, as yet unknown, </a:t>
+            </a:r>
+            <a:r>
+              <a:rPr lang="en-US" dirty="0" err="1" smtClean="0"/>
+              <a:t>microservice</a:t>
+            </a:r>
+            <a:r>
+              <a:rPr lang="en-US" dirty="0" smtClean="0"/>
+              <a:t>. </a:t>
+            </a:r>
+            <a:r>
+              <a:rPr lang="en-US" dirty="0" smtClean="0">
+                <a:solidFill>
+                  <a:schemeClr val="bg2"/>
+                </a:solidFill>
+              </a:rPr>
+              <a:t>Don't clutter output with extraneous information. Avoid strongly-typed or binary input formats. Don't insist on object trees as input.</a:t>
+            </a:r>
+          </a:p>
+          <a:p>
+            <a:r>
+              <a:rPr lang="en-US" dirty="0" smtClean="0"/>
+              <a:t>Design and build </a:t>
+            </a:r>
+            <a:r>
+              <a:rPr lang="en-US" dirty="0" err="1" smtClean="0"/>
+              <a:t>microservices</a:t>
+            </a:r>
+            <a:r>
+              <a:rPr lang="en-US" dirty="0" smtClean="0"/>
+              <a:t> to be created and deployed early, ideally within weeks. </a:t>
+            </a:r>
+            <a:r>
+              <a:rPr lang="en-US" dirty="0" smtClean="0">
+                <a:solidFill>
+                  <a:schemeClr val="bg2"/>
+                </a:solidFill>
+              </a:rPr>
+              <a:t>Don't hesitate to throw away the clumsy parts and rebuild them.</a:t>
+            </a:r>
+          </a:p>
+          <a:p>
+            <a:r>
+              <a:rPr lang="en-US" dirty="0" smtClean="0"/>
+              <a:t>Use testing and deployment tooling </a:t>
+            </a:r>
+            <a:r>
+              <a:rPr lang="en-US" dirty="0" smtClean="0">
+                <a:solidFill>
+                  <a:schemeClr val="bg2"/>
+                </a:solidFill>
+              </a:rPr>
+              <a:t>(in preference to manual efforts) to lighten a programming task, even if you have to detour to build the tools and expect to throw some of them out after you've finished using them.</a:t>
+            </a:r>
+          </a:p>
+          <a:p>
+            <a:endParaRPr lang="en-US" dirty="0"/>
+          </a:p>
+        </p:txBody>
+      </p:sp>
+    </p:spTree>
+    <p:extLst>
+      <p:ext uri="{BB962C8B-B14F-4D97-AF65-F5344CB8AC3E}">
+        <p14:creationId xmlns:p14="http://schemas.microsoft.com/office/powerpoint/2010/main" val="284123795"/>
+      </p:ext>
+    </p:extLst>
+  </p:cSld>
+  <p:clrMapOvr>
+    <a:masterClrMapping/>
+  </p:clrMapOvr>
+  <p:timing>
+    <p:tnLst>
+      <p:par>
+        <p:cTn id="1" dur="indefinite" restart="never" nodeType="tmRoot"/>
+      </p:par>
+    </p:tnLst>
+  </p:timing>
+</p:sld>
+</file>
+
+<file path=ppt/slides/slide15.xml><?xml version="1.0" encoding="utf-8"?>
 <p:sld xmlns:a="http://schemas.openxmlformats.org/drawingml/2006/main" xmlns:r="http://schemas.openxmlformats.org/officeDocument/2006/relationships" xmlns:p="http://schemas.openxmlformats.org/presentationml/2006/main">
   <p:cSld>
     <p:spTree>
@@ -4771,7 +4735,7 @@
 </p:sld>
 </file>
 
-<file path=ppt/slides/slide9.xml><?xml version="1.0" encoding="utf-8"?>
+<file path=ppt/slides/slide16.xml><?xml version="1.0" encoding="utf-8"?>
 <p:sld xmlns:a="http://schemas.openxmlformats.org/drawingml/2006/main" xmlns:r="http://schemas.openxmlformats.org/officeDocument/2006/relationships" xmlns:p="http://schemas.openxmlformats.org/presentationml/2006/main">
   <p:cSld>
     <p:spTree>
@@ -4839,6 +4803,1696 @@
   <p:transition spd="slow">
     <p:cut/>
   </p:transition>
+  <p:timing>
+    <p:tnLst>
+      <p:par>
+        <p:cTn id="1" dur="indefinite" restart="never" nodeType="tmRoot"/>
+      </p:par>
+    </p:tnLst>
+  </p:timing>
+</p:sld>
+</file>
+
+<file path=ppt/slides/slide2.xml><?xml version="1.0" encoding="utf-8"?>
+<p:sld xmlns:a="http://schemas.openxmlformats.org/drawingml/2006/main" xmlns:r="http://schemas.openxmlformats.org/officeDocument/2006/relationships" xmlns:p="http://schemas.openxmlformats.org/presentationml/2006/main">
+  <p:cSld>
+    <p:spTree>
+      <p:nvGrpSpPr>
+        <p:cNvPr id="1" name=""/>
+        <p:cNvGrpSpPr/>
+        <p:nvPr/>
+      </p:nvGrpSpPr>
+      <p:grpSpPr>
+        <a:xfrm>
+          <a:off x="0" y="0"/>
+          <a:ext cx="0" cy="0"/>
+          <a:chOff x="0" y="0"/>
+          <a:chExt cx="0" cy="0"/>
+        </a:xfrm>
+      </p:grpSpPr>
+      <p:sp>
+        <p:nvSpPr>
+          <p:cNvPr id="2" name="Title 1"/>
+          <p:cNvSpPr>
+            <a:spLocks noGrp="1"/>
+          </p:cNvSpPr>
+          <p:nvPr>
+            <p:ph type="title"/>
+          </p:nvPr>
+        </p:nvSpPr>
+        <p:spPr/>
+        <p:txBody>
+          <a:bodyPr/>
+          <a:lstStyle/>
+          <a:p>
+            <a:r>
+              <a:rPr lang="en-US" dirty="0" smtClean="0"/>
+              <a:t>Martin Fowler </a:t>
+            </a:r>
+            <a:r>
+              <a:rPr lang="en-US" dirty="0" err="1" smtClean="0"/>
+              <a:t>sez</a:t>
+            </a:r>
+            <a:r>
+              <a:rPr lang="en-US" dirty="0" smtClean="0"/>
+              <a:t>…</a:t>
+            </a:r>
+            <a:endParaRPr lang="en-US" dirty="0"/>
+          </a:p>
+        </p:txBody>
+      </p:sp>
+      <p:sp>
+        <p:nvSpPr>
+          <p:cNvPr id="3" name="Content Placeholder 2"/>
+          <p:cNvSpPr>
+            <a:spLocks noGrp="1"/>
+          </p:cNvSpPr>
+          <p:nvPr>
+            <p:ph idx="1"/>
+          </p:nvPr>
+        </p:nvSpPr>
+        <p:spPr>
+          <a:xfrm>
+            <a:off x="838200" y="1825625"/>
+            <a:ext cx="5718908" cy="3590437"/>
+          </a:xfrm>
+        </p:spPr>
+        <p:txBody>
+          <a:bodyPr/>
+          <a:lstStyle/>
+          <a:p>
+            <a:pPr marL="0" indent="0">
+              <a:buNone/>
+            </a:pPr>
+            <a:r>
+              <a:rPr lang="en-US" dirty="0" smtClean="0"/>
+              <a:t>“</a:t>
+            </a:r>
+            <a:r>
+              <a:rPr lang="en-US" dirty="0"/>
+              <a:t>A</a:t>
+            </a:r>
+            <a:r>
+              <a:rPr lang="en-US" dirty="0" smtClean="0"/>
+              <a:t>n </a:t>
+            </a:r>
+            <a:r>
+              <a:rPr lang="en-US" dirty="0"/>
+              <a:t>approach to developing a single application as a suite of small services, each running in its own process and communicating with lightweight mechanisms, often an HTTP resource API. These services are built around business capabilities and independently deployable by fully automated deployment machinery</a:t>
+            </a:r>
+            <a:r>
+              <a:rPr lang="en-US" dirty="0" smtClean="0"/>
+              <a:t>.”</a:t>
+            </a:r>
+          </a:p>
+        </p:txBody>
+      </p:sp>
+      <p:pic>
+        <p:nvPicPr>
+          <p:cNvPr id="1026" name="Picture 2" descr="Figure 3"/>
+          <p:cNvPicPr>
+            <a:picLocks noChangeAspect="1" noChangeArrowheads="1"/>
+          </p:cNvPicPr>
+          <p:nvPr/>
+        </p:nvPicPr>
+        <p:blipFill rotWithShape="1">
+          <a:blip r:embed="rId2">
+            <a:extLst>
+              <a:ext uri="{28A0092B-C50C-407E-A947-70E740481C1C}">
+                <a14:useLocalDpi xmlns:a14="http://schemas.microsoft.com/office/drawing/2010/main" val="0"/>
+              </a:ext>
+            </a:extLst>
+          </a:blip>
+          <a:srcRect r="52931" b="10799"/>
+          <a:stretch/>
+        </p:blipFill>
+        <p:spPr bwMode="auto">
+          <a:xfrm>
+            <a:off x="7158160" y="1254612"/>
+            <a:ext cx="4744671" cy="5168999"/>
+          </a:xfrm>
+          <a:prstGeom prst="rect">
+            <a:avLst/>
+          </a:prstGeom>
+          <a:noFill/>
+          <a:extLst>
+            <a:ext uri="{909E8E84-426E-40DD-AFC4-6F175D3DCCD1}">
+              <a14:hiddenFill xmlns:a14="http://schemas.microsoft.com/office/drawing/2010/main">
+                <a:solidFill>
+                  <a:srgbClr val="FFFFFF"/>
+                </a:solidFill>
+              </a14:hiddenFill>
+            </a:ext>
+          </a:extLst>
+        </p:spPr>
+      </p:pic>
+      <p:sp>
+        <p:nvSpPr>
+          <p:cNvPr id="4" name="TextBox 3"/>
+          <p:cNvSpPr txBox="1"/>
+          <p:nvPr/>
+        </p:nvSpPr>
+        <p:spPr>
+          <a:xfrm>
+            <a:off x="906585" y="6056923"/>
+            <a:ext cx="10996246" cy="369332"/>
+          </a:xfrm>
+          <a:prstGeom prst="rect">
+            <a:avLst/>
+          </a:prstGeom>
+          <a:noFill/>
+        </p:spPr>
+        <p:txBody>
+          <a:bodyPr wrap="square" rtlCol="0">
+            <a:spAutoFit/>
+          </a:bodyPr>
+          <a:lstStyle/>
+          <a:p>
+            <a:r>
+              <a:rPr lang="en-US" dirty="0" smtClean="0"/>
+              <a:t>http</a:t>
+            </a:r>
+            <a:r>
+              <a:rPr lang="en-US" dirty="0"/>
+              <a:t>://</a:t>
+            </a:r>
+            <a:r>
+              <a:rPr lang="en-US" dirty="0" smtClean="0"/>
+              <a:t>martinfowler.com/articles/microservices.html</a:t>
+            </a:r>
+            <a:endParaRPr lang="en-US" dirty="0"/>
+          </a:p>
+        </p:txBody>
+      </p:sp>
+    </p:spTree>
+    <p:extLst>
+      <p:ext uri="{BB962C8B-B14F-4D97-AF65-F5344CB8AC3E}">
+        <p14:creationId xmlns:p14="http://schemas.microsoft.com/office/powerpoint/2010/main" val="195066703"/>
+      </p:ext>
+    </p:extLst>
+  </p:cSld>
+  <p:clrMapOvr>
+    <a:masterClrMapping/>
+  </p:clrMapOvr>
+  <p:timing>
+    <p:tnLst>
+      <p:par>
+        <p:cTn id="1" dur="indefinite" restart="never" nodeType="tmRoot"/>
+      </p:par>
+    </p:tnLst>
+  </p:timing>
+</p:sld>
+</file>
+
+<file path=ppt/slides/slide3.xml><?xml version="1.0" encoding="utf-8"?>
+<p:sld xmlns:a="http://schemas.openxmlformats.org/drawingml/2006/main" xmlns:r="http://schemas.openxmlformats.org/officeDocument/2006/relationships" xmlns:p="http://schemas.openxmlformats.org/presentationml/2006/main">
+  <p:cSld>
+    <p:spTree>
+      <p:nvGrpSpPr>
+        <p:cNvPr id="1" name=""/>
+        <p:cNvGrpSpPr/>
+        <p:nvPr/>
+      </p:nvGrpSpPr>
+      <p:grpSpPr>
+        <a:xfrm>
+          <a:off x="0" y="0"/>
+          <a:ext cx="0" cy="0"/>
+          <a:chOff x="0" y="0"/>
+          <a:chExt cx="0" cy="0"/>
+        </a:xfrm>
+      </p:grpSpPr>
+      <p:sp>
+        <p:nvSpPr>
+          <p:cNvPr id="2" name="Title 1"/>
+          <p:cNvSpPr>
+            <a:spLocks noGrp="1"/>
+          </p:cNvSpPr>
+          <p:nvPr>
+            <p:ph type="title"/>
+          </p:nvPr>
+        </p:nvSpPr>
+        <p:spPr/>
+        <p:txBody>
+          <a:bodyPr/>
+          <a:lstStyle/>
+          <a:p>
+            <a:r>
+              <a:rPr lang="en-US" dirty="0" smtClean="0"/>
+              <a:t>Martin Fowler </a:t>
+            </a:r>
+            <a:r>
+              <a:rPr lang="en-US" dirty="0" err="1" smtClean="0"/>
+              <a:t>sez</a:t>
+            </a:r>
+            <a:r>
+              <a:rPr lang="en-US" dirty="0" smtClean="0"/>
+              <a:t>…</a:t>
+            </a:r>
+            <a:endParaRPr lang="en-US" dirty="0"/>
+          </a:p>
+        </p:txBody>
+      </p:sp>
+      <p:sp>
+        <p:nvSpPr>
+          <p:cNvPr id="3" name="Content Placeholder 2"/>
+          <p:cNvSpPr>
+            <a:spLocks noGrp="1"/>
+          </p:cNvSpPr>
+          <p:nvPr>
+            <p:ph idx="1"/>
+          </p:nvPr>
+        </p:nvSpPr>
+        <p:spPr>
+          <a:xfrm>
+            <a:off x="838200" y="1825625"/>
+            <a:ext cx="5718908" cy="3590437"/>
+          </a:xfrm>
+        </p:spPr>
+        <p:txBody>
+          <a:bodyPr/>
+          <a:lstStyle/>
+          <a:p>
+            <a:pPr marL="0" indent="0">
+              <a:buNone/>
+            </a:pPr>
+            <a:r>
+              <a:rPr lang="en-US" dirty="0" smtClean="0"/>
+              <a:t>“</a:t>
+            </a:r>
+            <a:r>
+              <a:rPr lang="en-US" dirty="0">
+                <a:solidFill>
+                  <a:schemeClr val="bg2"/>
+                </a:solidFill>
+              </a:rPr>
+              <a:t>A</a:t>
+            </a:r>
+            <a:r>
+              <a:rPr lang="en-US" dirty="0" smtClean="0">
+                <a:solidFill>
+                  <a:schemeClr val="bg2"/>
+                </a:solidFill>
+              </a:rPr>
+              <a:t>n </a:t>
+            </a:r>
+            <a:r>
+              <a:rPr lang="en-US" dirty="0">
+                <a:solidFill>
+                  <a:schemeClr val="bg2"/>
+                </a:solidFill>
+              </a:rPr>
+              <a:t>approach to developing a single application as </a:t>
+            </a:r>
+            <a:r>
+              <a:rPr lang="en-US" dirty="0"/>
+              <a:t>a suite of small services</a:t>
+            </a:r>
+            <a:r>
+              <a:rPr lang="en-US" dirty="0">
+                <a:solidFill>
+                  <a:schemeClr val="bg2"/>
+                </a:solidFill>
+              </a:rPr>
+              <a:t>, each running in its own process and communicating with lightweight mechanisms, often an HTTP resource API. These services are built around business capabilities and independently deployable by fully automated deployment machinery</a:t>
+            </a:r>
+            <a:r>
+              <a:rPr lang="en-US" dirty="0" smtClean="0">
+                <a:solidFill>
+                  <a:schemeClr val="bg2"/>
+                </a:solidFill>
+              </a:rPr>
+              <a:t>.</a:t>
+            </a:r>
+            <a:r>
+              <a:rPr lang="en-US" dirty="0" smtClean="0"/>
+              <a:t>”</a:t>
+            </a:r>
+          </a:p>
+        </p:txBody>
+      </p:sp>
+      <p:pic>
+        <p:nvPicPr>
+          <p:cNvPr id="1026" name="Picture 2" descr="Figure 3"/>
+          <p:cNvPicPr>
+            <a:picLocks noChangeAspect="1" noChangeArrowheads="1"/>
+          </p:cNvPicPr>
+          <p:nvPr/>
+        </p:nvPicPr>
+        <p:blipFill rotWithShape="1">
+          <a:blip r:embed="rId2">
+            <a:extLst>
+              <a:ext uri="{28A0092B-C50C-407E-A947-70E740481C1C}">
+                <a14:useLocalDpi xmlns:a14="http://schemas.microsoft.com/office/drawing/2010/main" val="0"/>
+              </a:ext>
+            </a:extLst>
+          </a:blip>
+          <a:srcRect r="52931" b="10799"/>
+          <a:stretch/>
+        </p:blipFill>
+        <p:spPr bwMode="auto">
+          <a:xfrm>
+            <a:off x="7158160" y="1254612"/>
+            <a:ext cx="4744671" cy="5168999"/>
+          </a:xfrm>
+          <a:prstGeom prst="rect">
+            <a:avLst/>
+          </a:prstGeom>
+          <a:noFill/>
+          <a:extLst>
+            <a:ext uri="{909E8E84-426E-40DD-AFC4-6F175D3DCCD1}">
+              <a14:hiddenFill xmlns:a14="http://schemas.microsoft.com/office/drawing/2010/main">
+                <a:solidFill>
+                  <a:srgbClr val="FFFFFF"/>
+                </a:solidFill>
+              </a14:hiddenFill>
+            </a:ext>
+          </a:extLst>
+        </p:spPr>
+      </p:pic>
+      <p:sp>
+        <p:nvSpPr>
+          <p:cNvPr id="4" name="TextBox 3"/>
+          <p:cNvSpPr txBox="1"/>
+          <p:nvPr/>
+        </p:nvSpPr>
+        <p:spPr>
+          <a:xfrm>
+            <a:off x="906585" y="6056923"/>
+            <a:ext cx="10996246" cy="369332"/>
+          </a:xfrm>
+          <a:prstGeom prst="rect">
+            <a:avLst/>
+          </a:prstGeom>
+          <a:noFill/>
+        </p:spPr>
+        <p:txBody>
+          <a:bodyPr wrap="square" rtlCol="0">
+            <a:spAutoFit/>
+          </a:bodyPr>
+          <a:lstStyle/>
+          <a:p>
+            <a:r>
+              <a:rPr lang="en-US" dirty="0" smtClean="0"/>
+              <a:t>http</a:t>
+            </a:r>
+            <a:r>
+              <a:rPr lang="en-US" dirty="0"/>
+              <a:t>://</a:t>
+            </a:r>
+            <a:r>
+              <a:rPr lang="en-US" dirty="0" smtClean="0"/>
+              <a:t>martinfowler.com/articles/microservices.html</a:t>
+            </a:r>
+            <a:endParaRPr lang="en-US" dirty="0"/>
+          </a:p>
+        </p:txBody>
+      </p:sp>
+    </p:spTree>
+    <p:extLst>
+      <p:ext uri="{BB962C8B-B14F-4D97-AF65-F5344CB8AC3E}">
+        <p14:creationId xmlns:p14="http://schemas.microsoft.com/office/powerpoint/2010/main" val="690129363"/>
+      </p:ext>
+    </p:extLst>
+  </p:cSld>
+  <p:clrMapOvr>
+    <a:masterClrMapping/>
+  </p:clrMapOvr>
+  <p:timing>
+    <p:tnLst>
+      <p:par>
+        <p:cTn id="1" dur="indefinite" restart="never" nodeType="tmRoot"/>
+      </p:par>
+    </p:tnLst>
+  </p:timing>
+</p:sld>
+</file>
+
+<file path=ppt/slides/slide4.xml><?xml version="1.0" encoding="utf-8"?>
+<p:sld xmlns:a="http://schemas.openxmlformats.org/drawingml/2006/main" xmlns:r="http://schemas.openxmlformats.org/officeDocument/2006/relationships" xmlns:p="http://schemas.openxmlformats.org/presentationml/2006/main">
+  <p:cSld>
+    <p:spTree>
+      <p:nvGrpSpPr>
+        <p:cNvPr id="1" name=""/>
+        <p:cNvGrpSpPr/>
+        <p:nvPr/>
+      </p:nvGrpSpPr>
+      <p:grpSpPr>
+        <a:xfrm>
+          <a:off x="0" y="0"/>
+          <a:ext cx="0" cy="0"/>
+          <a:chOff x="0" y="0"/>
+          <a:chExt cx="0" cy="0"/>
+        </a:xfrm>
+      </p:grpSpPr>
+      <p:sp>
+        <p:nvSpPr>
+          <p:cNvPr id="2" name="Title 1"/>
+          <p:cNvSpPr>
+            <a:spLocks noGrp="1"/>
+          </p:cNvSpPr>
+          <p:nvPr>
+            <p:ph type="title"/>
+          </p:nvPr>
+        </p:nvSpPr>
+        <p:spPr/>
+        <p:txBody>
+          <a:bodyPr/>
+          <a:lstStyle/>
+          <a:p>
+            <a:r>
+              <a:rPr lang="en-US" dirty="0" smtClean="0"/>
+              <a:t>Martin Fowler </a:t>
+            </a:r>
+            <a:r>
+              <a:rPr lang="en-US" dirty="0" err="1" smtClean="0"/>
+              <a:t>sez</a:t>
+            </a:r>
+            <a:r>
+              <a:rPr lang="en-US" dirty="0" smtClean="0"/>
+              <a:t>…</a:t>
+            </a:r>
+            <a:endParaRPr lang="en-US" dirty="0"/>
+          </a:p>
+        </p:txBody>
+      </p:sp>
+      <p:sp>
+        <p:nvSpPr>
+          <p:cNvPr id="3" name="Content Placeholder 2"/>
+          <p:cNvSpPr>
+            <a:spLocks noGrp="1"/>
+          </p:cNvSpPr>
+          <p:nvPr>
+            <p:ph idx="1"/>
+          </p:nvPr>
+        </p:nvSpPr>
+        <p:spPr>
+          <a:xfrm>
+            <a:off x="838200" y="1825625"/>
+            <a:ext cx="5718908" cy="3590437"/>
+          </a:xfrm>
+        </p:spPr>
+        <p:txBody>
+          <a:bodyPr/>
+          <a:lstStyle/>
+          <a:p>
+            <a:pPr marL="0" indent="0">
+              <a:buNone/>
+            </a:pPr>
+            <a:r>
+              <a:rPr lang="en-US" dirty="0" smtClean="0"/>
+              <a:t>“</a:t>
+            </a:r>
+            <a:r>
+              <a:rPr lang="en-US" dirty="0">
+                <a:solidFill>
+                  <a:schemeClr val="bg2"/>
+                </a:solidFill>
+              </a:rPr>
+              <a:t>A</a:t>
+            </a:r>
+            <a:r>
+              <a:rPr lang="en-US" dirty="0" smtClean="0">
+                <a:solidFill>
+                  <a:schemeClr val="bg2"/>
+                </a:solidFill>
+              </a:rPr>
+              <a:t>n </a:t>
+            </a:r>
+            <a:r>
+              <a:rPr lang="en-US" dirty="0">
+                <a:solidFill>
+                  <a:schemeClr val="bg2"/>
+                </a:solidFill>
+              </a:rPr>
+              <a:t>approach to developing a single application as </a:t>
+            </a:r>
+            <a:r>
+              <a:rPr lang="en-US" dirty="0"/>
+              <a:t>a suite of small services, each running in its own process </a:t>
+            </a:r>
+            <a:r>
+              <a:rPr lang="en-US" dirty="0">
+                <a:solidFill>
+                  <a:schemeClr val="bg2"/>
+                </a:solidFill>
+              </a:rPr>
+              <a:t>and communicating with lightweight mechanisms, often an HTTP resource API. These services are built around business capabilities and independently deployable by fully automated deployment machinery</a:t>
+            </a:r>
+            <a:r>
+              <a:rPr lang="en-US" dirty="0" smtClean="0">
+                <a:solidFill>
+                  <a:schemeClr val="bg2"/>
+                </a:solidFill>
+              </a:rPr>
+              <a:t>.</a:t>
+            </a:r>
+            <a:r>
+              <a:rPr lang="en-US" dirty="0" smtClean="0"/>
+              <a:t>”</a:t>
+            </a:r>
+          </a:p>
+        </p:txBody>
+      </p:sp>
+      <p:pic>
+        <p:nvPicPr>
+          <p:cNvPr id="1026" name="Picture 2" descr="Figure 3"/>
+          <p:cNvPicPr>
+            <a:picLocks noChangeAspect="1" noChangeArrowheads="1"/>
+          </p:cNvPicPr>
+          <p:nvPr/>
+        </p:nvPicPr>
+        <p:blipFill rotWithShape="1">
+          <a:blip r:embed="rId2">
+            <a:extLst>
+              <a:ext uri="{28A0092B-C50C-407E-A947-70E740481C1C}">
+                <a14:useLocalDpi xmlns:a14="http://schemas.microsoft.com/office/drawing/2010/main" val="0"/>
+              </a:ext>
+            </a:extLst>
+          </a:blip>
+          <a:srcRect r="52931" b="10799"/>
+          <a:stretch/>
+        </p:blipFill>
+        <p:spPr bwMode="auto">
+          <a:xfrm>
+            <a:off x="7158160" y="1254612"/>
+            <a:ext cx="4744671" cy="5168999"/>
+          </a:xfrm>
+          <a:prstGeom prst="rect">
+            <a:avLst/>
+          </a:prstGeom>
+          <a:noFill/>
+          <a:extLst>
+            <a:ext uri="{909E8E84-426E-40DD-AFC4-6F175D3DCCD1}">
+              <a14:hiddenFill xmlns:a14="http://schemas.microsoft.com/office/drawing/2010/main">
+                <a:solidFill>
+                  <a:srgbClr val="FFFFFF"/>
+                </a:solidFill>
+              </a14:hiddenFill>
+            </a:ext>
+          </a:extLst>
+        </p:spPr>
+      </p:pic>
+      <p:sp>
+        <p:nvSpPr>
+          <p:cNvPr id="4" name="TextBox 3"/>
+          <p:cNvSpPr txBox="1"/>
+          <p:nvPr/>
+        </p:nvSpPr>
+        <p:spPr>
+          <a:xfrm>
+            <a:off x="906585" y="6056923"/>
+            <a:ext cx="10996246" cy="369332"/>
+          </a:xfrm>
+          <a:prstGeom prst="rect">
+            <a:avLst/>
+          </a:prstGeom>
+          <a:noFill/>
+        </p:spPr>
+        <p:txBody>
+          <a:bodyPr wrap="square" rtlCol="0">
+            <a:spAutoFit/>
+          </a:bodyPr>
+          <a:lstStyle/>
+          <a:p>
+            <a:r>
+              <a:rPr lang="en-US" dirty="0" smtClean="0"/>
+              <a:t>http</a:t>
+            </a:r>
+            <a:r>
+              <a:rPr lang="en-US" dirty="0"/>
+              <a:t>://</a:t>
+            </a:r>
+            <a:r>
+              <a:rPr lang="en-US" dirty="0" smtClean="0"/>
+              <a:t>martinfowler.com/articles/microservices.html</a:t>
+            </a:r>
+            <a:endParaRPr lang="en-US" dirty="0"/>
+          </a:p>
+        </p:txBody>
+      </p:sp>
+    </p:spTree>
+    <p:extLst>
+      <p:ext uri="{BB962C8B-B14F-4D97-AF65-F5344CB8AC3E}">
+        <p14:creationId xmlns:p14="http://schemas.microsoft.com/office/powerpoint/2010/main" val="495194518"/>
+      </p:ext>
+    </p:extLst>
+  </p:cSld>
+  <p:clrMapOvr>
+    <a:masterClrMapping/>
+  </p:clrMapOvr>
+  <p:timing>
+    <p:tnLst>
+      <p:par>
+        <p:cTn id="1" dur="indefinite" restart="never" nodeType="tmRoot"/>
+      </p:par>
+    </p:tnLst>
+  </p:timing>
+</p:sld>
+</file>
+
+<file path=ppt/slides/slide5.xml><?xml version="1.0" encoding="utf-8"?>
+<p:sld xmlns:a="http://schemas.openxmlformats.org/drawingml/2006/main" xmlns:r="http://schemas.openxmlformats.org/officeDocument/2006/relationships" xmlns:p="http://schemas.openxmlformats.org/presentationml/2006/main">
+  <p:cSld>
+    <p:spTree>
+      <p:nvGrpSpPr>
+        <p:cNvPr id="1" name=""/>
+        <p:cNvGrpSpPr/>
+        <p:nvPr/>
+      </p:nvGrpSpPr>
+      <p:grpSpPr>
+        <a:xfrm>
+          <a:off x="0" y="0"/>
+          <a:ext cx="0" cy="0"/>
+          <a:chOff x="0" y="0"/>
+          <a:chExt cx="0" cy="0"/>
+        </a:xfrm>
+      </p:grpSpPr>
+      <p:sp>
+        <p:nvSpPr>
+          <p:cNvPr id="2" name="Title 1"/>
+          <p:cNvSpPr>
+            <a:spLocks noGrp="1"/>
+          </p:cNvSpPr>
+          <p:nvPr>
+            <p:ph type="title"/>
+          </p:nvPr>
+        </p:nvSpPr>
+        <p:spPr/>
+        <p:txBody>
+          <a:bodyPr/>
+          <a:lstStyle/>
+          <a:p>
+            <a:r>
+              <a:rPr lang="en-US" dirty="0" smtClean="0"/>
+              <a:t>Martin Fowler </a:t>
+            </a:r>
+            <a:r>
+              <a:rPr lang="en-US" dirty="0" err="1" smtClean="0"/>
+              <a:t>sez</a:t>
+            </a:r>
+            <a:r>
+              <a:rPr lang="en-US" dirty="0" smtClean="0"/>
+              <a:t>…</a:t>
+            </a:r>
+            <a:endParaRPr lang="en-US" dirty="0"/>
+          </a:p>
+        </p:txBody>
+      </p:sp>
+      <p:sp>
+        <p:nvSpPr>
+          <p:cNvPr id="3" name="Content Placeholder 2"/>
+          <p:cNvSpPr>
+            <a:spLocks noGrp="1"/>
+          </p:cNvSpPr>
+          <p:nvPr>
+            <p:ph idx="1"/>
+          </p:nvPr>
+        </p:nvSpPr>
+        <p:spPr>
+          <a:xfrm>
+            <a:off x="838200" y="1825625"/>
+            <a:ext cx="5718908" cy="3590437"/>
+          </a:xfrm>
+        </p:spPr>
+        <p:txBody>
+          <a:bodyPr/>
+          <a:lstStyle/>
+          <a:p>
+            <a:pPr marL="0" indent="0">
+              <a:buNone/>
+            </a:pPr>
+            <a:r>
+              <a:rPr lang="en-US" dirty="0" smtClean="0"/>
+              <a:t>“</a:t>
+            </a:r>
+            <a:r>
+              <a:rPr lang="en-US" dirty="0">
+                <a:solidFill>
+                  <a:schemeClr val="bg2"/>
+                </a:solidFill>
+              </a:rPr>
+              <a:t>A</a:t>
+            </a:r>
+            <a:r>
+              <a:rPr lang="en-US" dirty="0" smtClean="0">
+                <a:solidFill>
+                  <a:schemeClr val="bg2"/>
+                </a:solidFill>
+              </a:rPr>
+              <a:t>n </a:t>
+            </a:r>
+            <a:r>
+              <a:rPr lang="en-US" dirty="0">
+                <a:solidFill>
+                  <a:schemeClr val="bg2"/>
+                </a:solidFill>
+              </a:rPr>
+              <a:t>approach to developing a single application as </a:t>
+            </a:r>
+            <a:r>
+              <a:rPr lang="en-US" dirty="0"/>
+              <a:t>a suite of small services, each running in its own process </a:t>
+            </a:r>
+            <a:r>
+              <a:rPr lang="en-US" dirty="0">
+                <a:solidFill>
+                  <a:schemeClr val="bg2"/>
+                </a:solidFill>
+              </a:rPr>
+              <a:t>and communicating with lightweight mechanisms, </a:t>
+            </a:r>
+            <a:r>
+              <a:rPr lang="en-US" dirty="0"/>
+              <a:t>often an HTTP resource API</a:t>
+            </a:r>
+            <a:r>
+              <a:rPr lang="en-US" dirty="0">
+                <a:solidFill>
+                  <a:schemeClr val="bg2"/>
+                </a:solidFill>
+              </a:rPr>
+              <a:t>. These services are built around business capabilities and independently deployable by fully automated deployment machinery</a:t>
+            </a:r>
+            <a:r>
+              <a:rPr lang="en-US" dirty="0" smtClean="0">
+                <a:solidFill>
+                  <a:schemeClr val="bg2"/>
+                </a:solidFill>
+              </a:rPr>
+              <a:t>.</a:t>
+            </a:r>
+            <a:r>
+              <a:rPr lang="en-US" dirty="0" smtClean="0"/>
+              <a:t>”</a:t>
+            </a:r>
+          </a:p>
+        </p:txBody>
+      </p:sp>
+      <p:pic>
+        <p:nvPicPr>
+          <p:cNvPr id="1026" name="Picture 2" descr="Figure 3"/>
+          <p:cNvPicPr>
+            <a:picLocks noChangeAspect="1" noChangeArrowheads="1"/>
+          </p:cNvPicPr>
+          <p:nvPr/>
+        </p:nvPicPr>
+        <p:blipFill rotWithShape="1">
+          <a:blip r:embed="rId2">
+            <a:extLst>
+              <a:ext uri="{28A0092B-C50C-407E-A947-70E740481C1C}">
+                <a14:useLocalDpi xmlns:a14="http://schemas.microsoft.com/office/drawing/2010/main" val="0"/>
+              </a:ext>
+            </a:extLst>
+          </a:blip>
+          <a:srcRect r="52931" b="10799"/>
+          <a:stretch/>
+        </p:blipFill>
+        <p:spPr bwMode="auto">
+          <a:xfrm>
+            <a:off x="7158160" y="1254612"/>
+            <a:ext cx="4744671" cy="5168999"/>
+          </a:xfrm>
+          <a:prstGeom prst="rect">
+            <a:avLst/>
+          </a:prstGeom>
+          <a:noFill/>
+          <a:extLst>
+            <a:ext uri="{909E8E84-426E-40DD-AFC4-6F175D3DCCD1}">
+              <a14:hiddenFill xmlns:a14="http://schemas.microsoft.com/office/drawing/2010/main">
+                <a:solidFill>
+                  <a:srgbClr val="FFFFFF"/>
+                </a:solidFill>
+              </a14:hiddenFill>
+            </a:ext>
+          </a:extLst>
+        </p:spPr>
+      </p:pic>
+      <p:sp>
+        <p:nvSpPr>
+          <p:cNvPr id="4" name="TextBox 3"/>
+          <p:cNvSpPr txBox="1"/>
+          <p:nvPr/>
+        </p:nvSpPr>
+        <p:spPr>
+          <a:xfrm>
+            <a:off x="906585" y="6056923"/>
+            <a:ext cx="10996246" cy="369332"/>
+          </a:xfrm>
+          <a:prstGeom prst="rect">
+            <a:avLst/>
+          </a:prstGeom>
+          <a:noFill/>
+        </p:spPr>
+        <p:txBody>
+          <a:bodyPr wrap="square" rtlCol="0">
+            <a:spAutoFit/>
+          </a:bodyPr>
+          <a:lstStyle/>
+          <a:p>
+            <a:r>
+              <a:rPr lang="en-US" dirty="0" smtClean="0"/>
+              <a:t>http</a:t>
+            </a:r>
+            <a:r>
+              <a:rPr lang="en-US" dirty="0"/>
+              <a:t>://</a:t>
+            </a:r>
+            <a:r>
+              <a:rPr lang="en-US" dirty="0" smtClean="0"/>
+              <a:t>martinfowler.com/articles/microservices.html</a:t>
+            </a:r>
+            <a:endParaRPr lang="en-US" dirty="0"/>
+          </a:p>
+        </p:txBody>
+      </p:sp>
+    </p:spTree>
+    <p:extLst>
+      <p:ext uri="{BB962C8B-B14F-4D97-AF65-F5344CB8AC3E}">
+        <p14:creationId xmlns:p14="http://schemas.microsoft.com/office/powerpoint/2010/main" val="1964624216"/>
+      </p:ext>
+    </p:extLst>
+  </p:cSld>
+  <p:clrMapOvr>
+    <a:masterClrMapping/>
+  </p:clrMapOvr>
+  <p:timing>
+    <p:tnLst>
+      <p:par>
+        <p:cTn id="1" dur="indefinite" restart="never" nodeType="tmRoot"/>
+      </p:par>
+    </p:tnLst>
+  </p:timing>
+</p:sld>
+</file>
+
+<file path=ppt/slides/slide6.xml><?xml version="1.0" encoding="utf-8"?>
+<p:sld xmlns:a="http://schemas.openxmlformats.org/drawingml/2006/main" xmlns:r="http://schemas.openxmlformats.org/officeDocument/2006/relationships" xmlns:p="http://schemas.openxmlformats.org/presentationml/2006/main">
+  <p:cSld>
+    <p:spTree>
+      <p:nvGrpSpPr>
+        <p:cNvPr id="1" name=""/>
+        <p:cNvGrpSpPr/>
+        <p:nvPr/>
+      </p:nvGrpSpPr>
+      <p:grpSpPr>
+        <a:xfrm>
+          <a:off x="0" y="0"/>
+          <a:ext cx="0" cy="0"/>
+          <a:chOff x="0" y="0"/>
+          <a:chExt cx="0" cy="0"/>
+        </a:xfrm>
+      </p:grpSpPr>
+      <p:sp>
+        <p:nvSpPr>
+          <p:cNvPr id="2" name="Title 1"/>
+          <p:cNvSpPr>
+            <a:spLocks noGrp="1"/>
+          </p:cNvSpPr>
+          <p:nvPr>
+            <p:ph type="title"/>
+          </p:nvPr>
+        </p:nvSpPr>
+        <p:spPr/>
+        <p:txBody>
+          <a:bodyPr/>
+          <a:lstStyle/>
+          <a:p>
+            <a:r>
+              <a:rPr lang="en-US" dirty="0" smtClean="0"/>
+              <a:t>Martin Fowler </a:t>
+            </a:r>
+            <a:r>
+              <a:rPr lang="en-US" dirty="0" err="1" smtClean="0"/>
+              <a:t>sez</a:t>
+            </a:r>
+            <a:r>
+              <a:rPr lang="en-US" dirty="0" smtClean="0"/>
+              <a:t>…</a:t>
+            </a:r>
+            <a:endParaRPr lang="en-US" dirty="0"/>
+          </a:p>
+        </p:txBody>
+      </p:sp>
+      <p:sp>
+        <p:nvSpPr>
+          <p:cNvPr id="3" name="Content Placeholder 2"/>
+          <p:cNvSpPr>
+            <a:spLocks noGrp="1"/>
+          </p:cNvSpPr>
+          <p:nvPr>
+            <p:ph idx="1"/>
+          </p:nvPr>
+        </p:nvSpPr>
+        <p:spPr>
+          <a:xfrm>
+            <a:off x="838200" y="1825625"/>
+            <a:ext cx="5718908" cy="3590437"/>
+          </a:xfrm>
+        </p:spPr>
+        <p:txBody>
+          <a:bodyPr/>
+          <a:lstStyle/>
+          <a:p>
+            <a:pPr marL="0" indent="0">
+              <a:buNone/>
+            </a:pPr>
+            <a:r>
+              <a:rPr lang="en-US" dirty="0" smtClean="0"/>
+              <a:t>“</a:t>
+            </a:r>
+            <a:r>
+              <a:rPr lang="en-US" dirty="0">
+                <a:solidFill>
+                  <a:schemeClr val="bg2"/>
+                </a:solidFill>
+              </a:rPr>
+              <a:t>A</a:t>
+            </a:r>
+            <a:r>
+              <a:rPr lang="en-US" dirty="0" smtClean="0">
+                <a:solidFill>
+                  <a:schemeClr val="bg2"/>
+                </a:solidFill>
+              </a:rPr>
+              <a:t>n </a:t>
+            </a:r>
+            <a:r>
+              <a:rPr lang="en-US" dirty="0">
+                <a:solidFill>
+                  <a:schemeClr val="bg2"/>
+                </a:solidFill>
+              </a:rPr>
+              <a:t>approach to developing a single application as </a:t>
+            </a:r>
+            <a:r>
+              <a:rPr lang="en-US" dirty="0"/>
+              <a:t>a suite of small services, each running in its own process </a:t>
+            </a:r>
+            <a:r>
+              <a:rPr lang="en-US" dirty="0">
+                <a:solidFill>
+                  <a:schemeClr val="bg2"/>
+                </a:solidFill>
+              </a:rPr>
+              <a:t>and communicating with lightweight mechanisms, </a:t>
+            </a:r>
+            <a:r>
+              <a:rPr lang="en-US" dirty="0"/>
+              <a:t>often an HTTP resource API</a:t>
+            </a:r>
+            <a:r>
+              <a:rPr lang="en-US" dirty="0">
+                <a:solidFill>
+                  <a:schemeClr val="bg2"/>
+                </a:solidFill>
+              </a:rPr>
+              <a:t>. These services are </a:t>
+            </a:r>
+            <a:r>
+              <a:rPr lang="en-US" dirty="0"/>
+              <a:t>built around business capabilities</a:t>
+            </a:r>
+            <a:r>
+              <a:rPr lang="en-US" dirty="0">
+                <a:solidFill>
+                  <a:schemeClr val="bg2"/>
+                </a:solidFill>
+              </a:rPr>
+              <a:t> and independently deployable by fully automated deployment machinery</a:t>
+            </a:r>
+            <a:r>
+              <a:rPr lang="en-US" dirty="0" smtClean="0">
+                <a:solidFill>
+                  <a:schemeClr val="bg2"/>
+                </a:solidFill>
+              </a:rPr>
+              <a:t>.</a:t>
+            </a:r>
+            <a:r>
+              <a:rPr lang="en-US" dirty="0" smtClean="0"/>
+              <a:t>”</a:t>
+            </a:r>
+          </a:p>
+        </p:txBody>
+      </p:sp>
+      <p:pic>
+        <p:nvPicPr>
+          <p:cNvPr id="1026" name="Picture 2" descr="Figure 3"/>
+          <p:cNvPicPr>
+            <a:picLocks noChangeAspect="1" noChangeArrowheads="1"/>
+          </p:cNvPicPr>
+          <p:nvPr/>
+        </p:nvPicPr>
+        <p:blipFill rotWithShape="1">
+          <a:blip r:embed="rId2">
+            <a:extLst>
+              <a:ext uri="{28A0092B-C50C-407E-A947-70E740481C1C}">
+                <a14:useLocalDpi xmlns:a14="http://schemas.microsoft.com/office/drawing/2010/main" val="0"/>
+              </a:ext>
+            </a:extLst>
+          </a:blip>
+          <a:srcRect r="52931" b="10799"/>
+          <a:stretch/>
+        </p:blipFill>
+        <p:spPr bwMode="auto">
+          <a:xfrm>
+            <a:off x="7158160" y="1254612"/>
+            <a:ext cx="4744671" cy="5168999"/>
+          </a:xfrm>
+          <a:prstGeom prst="rect">
+            <a:avLst/>
+          </a:prstGeom>
+          <a:noFill/>
+          <a:extLst>
+            <a:ext uri="{909E8E84-426E-40DD-AFC4-6F175D3DCCD1}">
+              <a14:hiddenFill xmlns:a14="http://schemas.microsoft.com/office/drawing/2010/main">
+                <a:solidFill>
+                  <a:srgbClr val="FFFFFF"/>
+                </a:solidFill>
+              </a14:hiddenFill>
+            </a:ext>
+          </a:extLst>
+        </p:spPr>
+      </p:pic>
+      <p:sp>
+        <p:nvSpPr>
+          <p:cNvPr id="4" name="TextBox 3"/>
+          <p:cNvSpPr txBox="1"/>
+          <p:nvPr/>
+        </p:nvSpPr>
+        <p:spPr>
+          <a:xfrm>
+            <a:off x="906585" y="6056923"/>
+            <a:ext cx="10996246" cy="369332"/>
+          </a:xfrm>
+          <a:prstGeom prst="rect">
+            <a:avLst/>
+          </a:prstGeom>
+          <a:noFill/>
+        </p:spPr>
+        <p:txBody>
+          <a:bodyPr wrap="square" rtlCol="0">
+            <a:spAutoFit/>
+          </a:bodyPr>
+          <a:lstStyle/>
+          <a:p>
+            <a:r>
+              <a:rPr lang="en-US" dirty="0" smtClean="0"/>
+              <a:t>http</a:t>
+            </a:r>
+            <a:r>
+              <a:rPr lang="en-US" dirty="0"/>
+              <a:t>://</a:t>
+            </a:r>
+            <a:r>
+              <a:rPr lang="en-US" dirty="0" smtClean="0"/>
+              <a:t>martinfowler.com/articles/microservices.html</a:t>
+            </a:r>
+            <a:endParaRPr lang="en-US" dirty="0"/>
+          </a:p>
+        </p:txBody>
+      </p:sp>
+    </p:spTree>
+    <p:extLst>
+      <p:ext uri="{BB962C8B-B14F-4D97-AF65-F5344CB8AC3E}">
+        <p14:creationId xmlns:p14="http://schemas.microsoft.com/office/powerpoint/2010/main" val="540433959"/>
+      </p:ext>
+    </p:extLst>
+  </p:cSld>
+  <p:clrMapOvr>
+    <a:masterClrMapping/>
+  </p:clrMapOvr>
+  <p:timing>
+    <p:tnLst>
+      <p:par>
+        <p:cTn id="1" dur="indefinite" restart="never" nodeType="tmRoot"/>
+      </p:par>
+    </p:tnLst>
+  </p:timing>
+</p:sld>
+</file>
+
+<file path=ppt/slides/slide7.xml><?xml version="1.0" encoding="utf-8"?>
+<p:sld xmlns:a="http://schemas.openxmlformats.org/drawingml/2006/main" xmlns:r="http://schemas.openxmlformats.org/officeDocument/2006/relationships" xmlns:p="http://schemas.openxmlformats.org/presentationml/2006/main">
+  <p:cSld>
+    <p:spTree>
+      <p:nvGrpSpPr>
+        <p:cNvPr id="1" name=""/>
+        <p:cNvGrpSpPr/>
+        <p:nvPr/>
+      </p:nvGrpSpPr>
+      <p:grpSpPr>
+        <a:xfrm>
+          <a:off x="0" y="0"/>
+          <a:ext cx="0" cy="0"/>
+          <a:chOff x="0" y="0"/>
+          <a:chExt cx="0" cy="0"/>
+        </a:xfrm>
+      </p:grpSpPr>
+      <p:sp>
+        <p:nvSpPr>
+          <p:cNvPr id="2" name="Title 1"/>
+          <p:cNvSpPr>
+            <a:spLocks noGrp="1"/>
+          </p:cNvSpPr>
+          <p:nvPr>
+            <p:ph type="title"/>
+          </p:nvPr>
+        </p:nvSpPr>
+        <p:spPr/>
+        <p:txBody>
+          <a:bodyPr/>
+          <a:lstStyle/>
+          <a:p>
+            <a:r>
+              <a:rPr lang="en-US" dirty="0" smtClean="0"/>
+              <a:t>Martin Fowler </a:t>
+            </a:r>
+            <a:r>
+              <a:rPr lang="en-US" dirty="0" err="1" smtClean="0"/>
+              <a:t>sez</a:t>
+            </a:r>
+            <a:r>
+              <a:rPr lang="en-US" dirty="0" smtClean="0"/>
+              <a:t>…</a:t>
+            </a:r>
+            <a:endParaRPr lang="en-US" dirty="0"/>
+          </a:p>
+        </p:txBody>
+      </p:sp>
+      <p:sp>
+        <p:nvSpPr>
+          <p:cNvPr id="3" name="Content Placeholder 2"/>
+          <p:cNvSpPr>
+            <a:spLocks noGrp="1"/>
+          </p:cNvSpPr>
+          <p:nvPr>
+            <p:ph idx="1"/>
+          </p:nvPr>
+        </p:nvSpPr>
+        <p:spPr>
+          <a:xfrm>
+            <a:off x="838200" y="1825625"/>
+            <a:ext cx="5718908" cy="3590437"/>
+          </a:xfrm>
+        </p:spPr>
+        <p:txBody>
+          <a:bodyPr/>
+          <a:lstStyle/>
+          <a:p>
+            <a:pPr marL="0" indent="0">
+              <a:buNone/>
+            </a:pPr>
+            <a:r>
+              <a:rPr lang="en-US" dirty="0" smtClean="0"/>
+              <a:t>“</a:t>
+            </a:r>
+            <a:r>
+              <a:rPr lang="en-US" dirty="0">
+                <a:solidFill>
+                  <a:schemeClr val="bg2"/>
+                </a:solidFill>
+              </a:rPr>
+              <a:t>A</a:t>
+            </a:r>
+            <a:r>
+              <a:rPr lang="en-US" dirty="0" smtClean="0">
+                <a:solidFill>
+                  <a:schemeClr val="bg2"/>
+                </a:solidFill>
+              </a:rPr>
+              <a:t>n </a:t>
+            </a:r>
+            <a:r>
+              <a:rPr lang="en-US" dirty="0">
+                <a:solidFill>
+                  <a:schemeClr val="bg2"/>
+                </a:solidFill>
+              </a:rPr>
+              <a:t>approach to developing a single application as </a:t>
+            </a:r>
+            <a:r>
+              <a:rPr lang="en-US" dirty="0"/>
+              <a:t>a suite of small services, each running in its own process </a:t>
+            </a:r>
+            <a:r>
+              <a:rPr lang="en-US" dirty="0">
+                <a:solidFill>
+                  <a:schemeClr val="bg2"/>
+                </a:solidFill>
+              </a:rPr>
+              <a:t>and communicating with lightweight mechanisms, </a:t>
+            </a:r>
+            <a:r>
+              <a:rPr lang="en-US" dirty="0"/>
+              <a:t>often an HTTP resource API</a:t>
+            </a:r>
+            <a:r>
+              <a:rPr lang="en-US" dirty="0">
+                <a:solidFill>
+                  <a:schemeClr val="bg2"/>
+                </a:solidFill>
+              </a:rPr>
+              <a:t>. These services are </a:t>
+            </a:r>
+            <a:r>
+              <a:rPr lang="en-US" dirty="0"/>
+              <a:t>built around business capabilities</a:t>
+            </a:r>
+            <a:r>
+              <a:rPr lang="en-US" dirty="0">
+                <a:solidFill>
+                  <a:schemeClr val="bg2"/>
+                </a:solidFill>
+              </a:rPr>
+              <a:t> and </a:t>
+            </a:r>
+            <a:r>
+              <a:rPr lang="en-US" dirty="0"/>
+              <a:t>independently deployable</a:t>
+            </a:r>
+            <a:r>
+              <a:rPr lang="en-US" dirty="0">
+                <a:solidFill>
+                  <a:schemeClr val="bg2"/>
+                </a:solidFill>
+              </a:rPr>
+              <a:t> by fully automated deployment machinery</a:t>
+            </a:r>
+            <a:r>
+              <a:rPr lang="en-US" dirty="0" smtClean="0">
+                <a:solidFill>
+                  <a:schemeClr val="bg2"/>
+                </a:solidFill>
+              </a:rPr>
+              <a:t>.</a:t>
+            </a:r>
+            <a:r>
+              <a:rPr lang="en-US" dirty="0" smtClean="0"/>
+              <a:t>”</a:t>
+            </a:r>
+          </a:p>
+        </p:txBody>
+      </p:sp>
+      <p:pic>
+        <p:nvPicPr>
+          <p:cNvPr id="1026" name="Picture 2" descr="Figure 3"/>
+          <p:cNvPicPr>
+            <a:picLocks noChangeAspect="1" noChangeArrowheads="1"/>
+          </p:cNvPicPr>
+          <p:nvPr/>
+        </p:nvPicPr>
+        <p:blipFill rotWithShape="1">
+          <a:blip r:embed="rId2">
+            <a:extLst>
+              <a:ext uri="{28A0092B-C50C-407E-A947-70E740481C1C}">
+                <a14:useLocalDpi xmlns:a14="http://schemas.microsoft.com/office/drawing/2010/main" val="0"/>
+              </a:ext>
+            </a:extLst>
+          </a:blip>
+          <a:srcRect r="52931" b="10799"/>
+          <a:stretch/>
+        </p:blipFill>
+        <p:spPr bwMode="auto">
+          <a:xfrm>
+            <a:off x="7158160" y="1254612"/>
+            <a:ext cx="4744671" cy="5168999"/>
+          </a:xfrm>
+          <a:prstGeom prst="rect">
+            <a:avLst/>
+          </a:prstGeom>
+          <a:noFill/>
+          <a:extLst>
+            <a:ext uri="{909E8E84-426E-40DD-AFC4-6F175D3DCCD1}">
+              <a14:hiddenFill xmlns:a14="http://schemas.microsoft.com/office/drawing/2010/main">
+                <a:solidFill>
+                  <a:srgbClr val="FFFFFF"/>
+                </a:solidFill>
+              </a14:hiddenFill>
+            </a:ext>
+          </a:extLst>
+        </p:spPr>
+      </p:pic>
+      <p:sp>
+        <p:nvSpPr>
+          <p:cNvPr id="4" name="TextBox 3"/>
+          <p:cNvSpPr txBox="1"/>
+          <p:nvPr/>
+        </p:nvSpPr>
+        <p:spPr>
+          <a:xfrm>
+            <a:off x="906585" y="6056923"/>
+            <a:ext cx="10996246" cy="369332"/>
+          </a:xfrm>
+          <a:prstGeom prst="rect">
+            <a:avLst/>
+          </a:prstGeom>
+          <a:noFill/>
+        </p:spPr>
+        <p:txBody>
+          <a:bodyPr wrap="square" rtlCol="0">
+            <a:spAutoFit/>
+          </a:bodyPr>
+          <a:lstStyle/>
+          <a:p>
+            <a:r>
+              <a:rPr lang="en-US" dirty="0" smtClean="0"/>
+              <a:t>http</a:t>
+            </a:r>
+            <a:r>
+              <a:rPr lang="en-US" dirty="0"/>
+              <a:t>://</a:t>
+            </a:r>
+            <a:r>
+              <a:rPr lang="en-US" dirty="0" smtClean="0"/>
+              <a:t>martinfowler.com/articles/microservices.html</a:t>
+            </a:r>
+            <a:endParaRPr lang="en-US" dirty="0"/>
+          </a:p>
+        </p:txBody>
+      </p:sp>
+    </p:spTree>
+    <p:extLst>
+      <p:ext uri="{BB962C8B-B14F-4D97-AF65-F5344CB8AC3E}">
+        <p14:creationId xmlns:p14="http://schemas.microsoft.com/office/powerpoint/2010/main" val="1839450800"/>
+      </p:ext>
+    </p:extLst>
+  </p:cSld>
+  <p:clrMapOvr>
+    <a:masterClrMapping/>
+  </p:clrMapOvr>
+  <p:timing>
+    <p:tnLst>
+      <p:par>
+        <p:cTn id="1" dur="indefinite" restart="never" nodeType="tmRoot"/>
+      </p:par>
+    </p:tnLst>
+  </p:timing>
+</p:sld>
+</file>
+
+<file path=ppt/slides/slide8.xml><?xml version="1.0" encoding="utf-8"?>
+<p:sld xmlns:a="http://schemas.openxmlformats.org/drawingml/2006/main" xmlns:r="http://schemas.openxmlformats.org/officeDocument/2006/relationships" xmlns:p="http://schemas.openxmlformats.org/presentationml/2006/main">
+  <p:cSld>
+    <p:spTree>
+      <p:nvGrpSpPr>
+        <p:cNvPr id="1" name=""/>
+        <p:cNvGrpSpPr/>
+        <p:nvPr/>
+      </p:nvGrpSpPr>
+      <p:grpSpPr>
+        <a:xfrm>
+          <a:off x="0" y="0"/>
+          <a:ext cx="0" cy="0"/>
+          <a:chOff x="0" y="0"/>
+          <a:chExt cx="0" cy="0"/>
+        </a:xfrm>
+      </p:grpSpPr>
+      <p:sp>
+        <p:nvSpPr>
+          <p:cNvPr id="2" name="Title 1"/>
+          <p:cNvSpPr>
+            <a:spLocks noGrp="1"/>
+          </p:cNvSpPr>
+          <p:nvPr>
+            <p:ph type="title"/>
+          </p:nvPr>
+        </p:nvSpPr>
+        <p:spPr/>
+        <p:txBody>
+          <a:bodyPr/>
+          <a:lstStyle/>
+          <a:p>
+            <a:r>
+              <a:rPr lang="en-US" dirty="0" smtClean="0"/>
+              <a:t>Martin Fowler </a:t>
+            </a:r>
+            <a:r>
+              <a:rPr lang="en-US" dirty="0" err="1" smtClean="0"/>
+              <a:t>sez</a:t>
+            </a:r>
+            <a:r>
+              <a:rPr lang="en-US" dirty="0" smtClean="0"/>
+              <a:t>…</a:t>
+            </a:r>
+            <a:endParaRPr lang="en-US" dirty="0"/>
+          </a:p>
+        </p:txBody>
+      </p:sp>
+      <p:sp>
+        <p:nvSpPr>
+          <p:cNvPr id="3" name="Content Placeholder 2"/>
+          <p:cNvSpPr>
+            <a:spLocks noGrp="1"/>
+          </p:cNvSpPr>
+          <p:nvPr>
+            <p:ph idx="1"/>
+          </p:nvPr>
+        </p:nvSpPr>
+        <p:spPr>
+          <a:xfrm>
+            <a:off x="838200" y="1825625"/>
+            <a:ext cx="5718908" cy="3590437"/>
+          </a:xfrm>
+        </p:spPr>
+        <p:txBody>
+          <a:bodyPr/>
+          <a:lstStyle/>
+          <a:p>
+            <a:pPr marL="0" indent="0">
+              <a:buNone/>
+            </a:pPr>
+            <a:r>
+              <a:rPr lang="en-US" dirty="0" smtClean="0"/>
+              <a:t>“</a:t>
+            </a:r>
+            <a:r>
+              <a:rPr lang="en-US" dirty="0"/>
+              <a:t>A</a:t>
+            </a:r>
+            <a:r>
+              <a:rPr lang="en-US" dirty="0" smtClean="0"/>
+              <a:t>n </a:t>
+            </a:r>
+            <a:r>
+              <a:rPr lang="en-US" dirty="0"/>
+              <a:t>approach to developing a single application as a suite of small services, each running in its own process and communicating with lightweight mechanisms, often an HTTP resource API. These services are built around business capabilities and independently deployable by fully automated deployment machinery</a:t>
+            </a:r>
+            <a:r>
+              <a:rPr lang="en-US" dirty="0" smtClean="0"/>
+              <a:t>.”</a:t>
+            </a:r>
+          </a:p>
+        </p:txBody>
+      </p:sp>
+      <p:pic>
+        <p:nvPicPr>
+          <p:cNvPr id="1026" name="Picture 2" descr="Figure 3"/>
+          <p:cNvPicPr>
+            <a:picLocks noChangeAspect="1" noChangeArrowheads="1"/>
+          </p:cNvPicPr>
+          <p:nvPr/>
+        </p:nvPicPr>
+        <p:blipFill rotWithShape="1">
+          <a:blip r:embed="rId2">
+            <a:extLst>
+              <a:ext uri="{28A0092B-C50C-407E-A947-70E740481C1C}">
+                <a14:useLocalDpi xmlns:a14="http://schemas.microsoft.com/office/drawing/2010/main" val="0"/>
+              </a:ext>
+            </a:extLst>
+          </a:blip>
+          <a:srcRect r="52931" b="10799"/>
+          <a:stretch/>
+        </p:blipFill>
+        <p:spPr bwMode="auto">
+          <a:xfrm>
+            <a:off x="7158160" y="1254612"/>
+            <a:ext cx="4744671" cy="5168999"/>
+          </a:xfrm>
+          <a:prstGeom prst="rect">
+            <a:avLst/>
+          </a:prstGeom>
+          <a:noFill/>
+          <a:extLst>
+            <a:ext uri="{909E8E84-426E-40DD-AFC4-6F175D3DCCD1}">
+              <a14:hiddenFill xmlns:a14="http://schemas.microsoft.com/office/drawing/2010/main">
+                <a:solidFill>
+                  <a:srgbClr val="FFFFFF"/>
+                </a:solidFill>
+              </a14:hiddenFill>
+            </a:ext>
+          </a:extLst>
+        </p:spPr>
+      </p:pic>
+      <p:sp>
+        <p:nvSpPr>
+          <p:cNvPr id="4" name="TextBox 3"/>
+          <p:cNvSpPr txBox="1"/>
+          <p:nvPr/>
+        </p:nvSpPr>
+        <p:spPr>
+          <a:xfrm>
+            <a:off x="906585" y="6056923"/>
+            <a:ext cx="10996246" cy="369332"/>
+          </a:xfrm>
+          <a:prstGeom prst="rect">
+            <a:avLst/>
+          </a:prstGeom>
+          <a:noFill/>
+        </p:spPr>
+        <p:txBody>
+          <a:bodyPr wrap="square" rtlCol="0">
+            <a:spAutoFit/>
+          </a:bodyPr>
+          <a:lstStyle/>
+          <a:p>
+            <a:r>
+              <a:rPr lang="en-US" dirty="0" smtClean="0"/>
+              <a:t>http</a:t>
+            </a:r>
+            <a:r>
+              <a:rPr lang="en-US" dirty="0"/>
+              <a:t>://</a:t>
+            </a:r>
+            <a:r>
+              <a:rPr lang="en-US" dirty="0" smtClean="0"/>
+              <a:t>martinfowler.com/articles/microservices.html</a:t>
+            </a:r>
+            <a:endParaRPr lang="en-US" dirty="0"/>
+          </a:p>
+        </p:txBody>
+      </p:sp>
+    </p:spTree>
+    <p:extLst>
+      <p:ext uri="{BB962C8B-B14F-4D97-AF65-F5344CB8AC3E}">
+        <p14:creationId xmlns:p14="http://schemas.microsoft.com/office/powerpoint/2010/main" val="1766133975"/>
+      </p:ext>
+    </p:extLst>
+  </p:cSld>
+  <p:clrMapOvr>
+    <a:masterClrMapping/>
+  </p:clrMapOvr>
+  <p:timing>
+    <p:tnLst>
+      <p:par>
+        <p:cTn id="1" dur="indefinite" restart="never" nodeType="tmRoot"/>
+      </p:par>
+    </p:tnLst>
+  </p:timing>
+</p:sld>
+</file>
+
+<file path=ppt/slides/slide9.xml><?xml version="1.0" encoding="utf-8"?>
+<p:sld xmlns:a="http://schemas.openxmlformats.org/drawingml/2006/main" xmlns:r="http://schemas.openxmlformats.org/officeDocument/2006/relationships" xmlns:p="http://schemas.openxmlformats.org/presentationml/2006/main">
+  <p:cSld>
+    <p:spTree>
+      <p:nvGrpSpPr>
+        <p:cNvPr id="1" name=""/>
+        <p:cNvGrpSpPr/>
+        <p:nvPr/>
+      </p:nvGrpSpPr>
+      <p:grpSpPr>
+        <a:xfrm>
+          <a:off x="0" y="0"/>
+          <a:ext cx="0" cy="0"/>
+          <a:chOff x="0" y="0"/>
+          <a:chExt cx="0" cy="0"/>
+        </a:xfrm>
+      </p:grpSpPr>
+      <p:sp>
+        <p:nvSpPr>
+          <p:cNvPr id="2" name="Title 1"/>
+          <p:cNvSpPr>
+            <a:spLocks noGrp="1"/>
+          </p:cNvSpPr>
+          <p:nvPr>
+            <p:ph type="title"/>
+          </p:nvPr>
+        </p:nvSpPr>
+        <p:spPr/>
+        <p:txBody>
+          <a:bodyPr/>
+          <a:lstStyle/>
+          <a:p>
+            <a:r>
+              <a:rPr lang="en-US" dirty="0" smtClean="0"/>
+              <a:t>Adrian Cockcroft </a:t>
+            </a:r>
+            <a:r>
+              <a:rPr lang="en-US" dirty="0" err="1" smtClean="0"/>
+              <a:t>sez</a:t>
+            </a:r>
+            <a:r>
+              <a:rPr lang="en-US" dirty="0" smtClean="0"/>
+              <a:t>…</a:t>
+            </a:r>
+            <a:endParaRPr lang="en-US" dirty="0"/>
+          </a:p>
+        </p:txBody>
+      </p:sp>
+      <p:sp>
+        <p:nvSpPr>
+          <p:cNvPr id="5" name="TextBox 4"/>
+          <p:cNvSpPr txBox="1"/>
+          <p:nvPr/>
+        </p:nvSpPr>
+        <p:spPr>
+          <a:xfrm>
+            <a:off x="906585" y="6056923"/>
+            <a:ext cx="10996246" cy="369332"/>
+          </a:xfrm>
+          <a:prstGeom prst="rect">
+            <a:avLst/>
+          </a:prstGeom>
+          <a:noFill/>
+        </p:spPr>
+        <p:txBody>
+          <a:bodyPr wrap="square" rtlCol="0">
+            <a:spAutoFit/>
+          </a:bodyPr>
+          <a:lstStyle/>
+          <a:p>
+            <a:r>
+              <a:rPr lang="en-US" dirty="0"/>
+              <a:t>http://www.slideshare.net/adriancockcroft/innovation-and-architecture</a:t>
+            </a:r>
+          </a:p>
+        </p:txBody>
+      </p:sp>
+      <p:pic>
+        <p:nvPicPr>
+          <p:cNvPr id="4" name="Picture 3"/>
+          <p:cNvPicPr>
+            <a:picLocks noChangeAspect="1"/>
+          </p:cNvPicPr>
+          <p:nvPr/>
+        </p:nvPicPr>
+        <p:blipFill>
+          <a:blip r:embed="rId2"/>
+          <a:stretch>
+            <a:fillRect/>
+          </a:stretch>
+        </p:blipFill>
+        <p:spPr>
+          <a:xfrm>
+            <a:off x="2141416" y="1458911"/>
+            <a:ext cx="8055218" cy="4423386"/>
+          </a:xfrm>
+          <a:prstGeom prst="rect">
+            <a:avLst/>
+          </a:prstGeom>
+        </p:spPr>
+      </p:pic>
+    </p:spTree>
+    <p:extLst>
+      <p:ext uri="{BB962C8B-B14F-4D97-AF65-F5344CB8AC3E}">
+        <p14:creationId xmlns:p14="http://schemas.microsoft.com/office/powerpoint/2010/main" val="3065816518"/>
+      </p:ext>
+    </p:extLst>
+  </p:cSld>
+  <p:clrMapOvr>
+    <a:masterClrMapping/>
+  </p:clrMapOvr>
   <p:timing>
     <p:tnLst>
       <p:par>
